--- a/기업업무 교안/기업업무1_4강(2023).pptx
+++ b/기업업무 교안/기업업무1_4강(2023).pptx
@@ -263,6 +263,62 @@
 
 <file path=ppt/changesInfos/changesInfo1.xml><?xml version="1.0" encoding="utf-8"?>
 <pc:chgInfo xmlns:a="http://schemas.openxmlformats.org/drawingml/2006/main" xmlns:r="http://schemas.openxmlformats.org/officeDocument/2006/relationships" xmlns:ac="http://schemas.microsoft.com/office/drawing/2013/main/command" xmlns:pc="http://schemas.microsoft.com/office/powerpoint/2013/main/command">
+  <pc:docChgLst>
+    <pc:chgData name="남 정현" userId="42c87c46deb7f138" providerId="LiveId" clId="{C07E162E-9A92-49DC-A4D4-226D053C745D}"/>
+    <pc:docChg chg="modSld">
+      <pc:chgData name="남 정현" userId="42c87c46deb7f138" providerId="LiveId" clId="{C07E162E-9A92-49DC-A4D4-226D053C745D}" dt="2023-05-29T16:30:05.797" v="55" actId="1076"/>
+      <pc:docMkLst>
+        <pc:docMk/>
+      </pc:docMkLst>
+      <pc:sldChg chg="modSp mod">
+        <pc:chgData name="남 정현" userId="42c87c46deb7f138" providerId="LiveId" clId="{C07E162E-9A92-49DC-A4D4-226D053C745D}" dt="2023-05-29T16:30:05.797" v="55" actId="1076"/>
+        <pc:sldMkLst>
+          <pc:docMk/>
+          <pc:sldMk cId="2810456593" sldId="1095"/>
+        </pc:sldMkLst>
+        <pc:picChg chg="mod">
+          <ac:chgData name="남 정현" userId="42c87c46deb7f138" providerId="LiveId" clId="{C07E162E-9A92-49DC-A4D4-226D053C745D}" dt="2023-05-29T16:22:04.304" v="49" actId="1076"/>
+          <ac:picMkLst>
+            <pc:docMk/>
+            <pc:sldMk cId="2810456593" sldId="1095"/>
+            <ac:picMk id="2" creationId="{00000000-0000-0000-0000-000000000000}"/>
+          </ac:picMkLst>
+        </pc:picChg>
+        <pc:picChg chg="mod">
+          <ac:chgData name="남 정현" userId="42c87c46deb7f138" providerId="LiveId" clId="{C07E162E-9A92-49DC-A4D4-226D053C745D}" dt="2023-05-29T16:30:02.220" v="52" actId="1076"/>
+          <ac:picMkLst>
+            <pc:docMk/>
+            <pc:sldMk cId="2810456593" sldId="1095"/>
+            <ac:picMk id="3" creationId="{00000000-0000-0000-0000-000000000000}"/>
+          </ac:picMkLst>
+        </pc:picChg>
+        <pc:picChg chg="mod">
+          <ac:chgData name="남 정현" userId="42c87c46deb7f138" providerId="LiveId" clId="{C07E162E-9A92-49DC-A4D4-226D053C745D}" dt="2023-05-29T16:02:19.632" v="30" actId="14100"/>
+          <ac:picMkLst>
+            <pc:docMk/>
+            <pc:sldMk cId="2810456593" sldId="1095"/>
+            <ac:picMk id="4" creationId="{00000000-0000-0000-0000-000000000000}"/>
+          </ac:picMkLst>
+        </pc:picChg>
+        <pc:picChg chg="mod">
+          <ac:chgData name="남 정현" userId="42c87c46deb7f138" providerId="LiveId" clId="{C07E162E-9A92-49DC-A4D4-226D053C745D}" dt="2023-05-29T16:07:16.852" v="40" actId="1076"/>
+          <ac:picMkLst>
+            <pc:docMk/>
+            <pc:sldMk cId="2810456593" sldId="1095"/>
+            <ac:picMk id="5" creationId="{00000000-0000-0000-0000-000000000000}"/>
+          </ac:picMkLst>
+        </pc:picChg>
+        <pc:picChg chg="mod">
+          <ac:chgData name="남 정현" userId="42c87c46deb7f138" providerId="LiveId" clId="{C07E162E-9A92-49DC-A4D4-226D053C745D}" dt="2023-05-29T16:30:05.797" v="55" actId="1076"/>
+          <ac:picMkLst>
+            <pc:docMk/>
+            <pc:sldMk cId="2810456593" sldId="1095"/>
+            <ac:picMk id="8" creationId="{00000000-0000-0000-0000-000000000000}"/>
+          </ac:picMkLst>
+        </pc:picChg>
+      </pc:sldChg>
+    </pc:docChg>
+  </pc:docChgLst>
   <pc:docChgLst>
     <pc:chgData name="홍필두" userId="a613eac9-2ee1-4936-8d5c-6f3d69f7b146" providerId="ADAL" clId="{F767AE90-E688-437D-B61D-BE5A586798D1}"/>
     <pc:docChg chg="custSel modSld">
@@ -9927,12 +9983,8 @@
           <a:p>
             <a:pPr marL="0" indent="0" eaLnBrk="1" hangingPunct="1"/>
             <a:r>
-              <a:rPr lang="en-US" altLang="ko-KR" sz="2400" dirty="0" smtClean="0"/>
-              <a:t>4. </a:t>
-            </a:r>
-            <a:r>
               <a:rPr lang="en-US" altLang="ko-KR" sz="2400" dirty="0"/>
-              <a:t>JSP-DB</a:t>
+              <a:t>4. JSP-DB</a:t>
             </a:r>
             <a:r>
               <a:rPr lang="ko-KR" altLang="en-US" sz="2400" dirty="0"/>
@@ -9944,11 +9996,7 @@
             </a:r>
             <a:r>
               <a:rPr lang="en-US" altLang="ko-KR" sz="2400"/>
-              <a:t>1</a:t>
-            </a:r>
-            <a:r>
-              <a:rPr lang="en-US" altLang="ko-KR" sz="2400" smtClean="0"/>
-              <a:t>) </a:t>
+              <a:t>1) </a:t>
             </a:r>
             <a:endParaRPr lang="ko-KR" altLang="en-US" sz="2400" dirty="0"/>
           </a:p>
@@ -10045,7 +10093,7 @@
               <a:buClrTx/>
             </a:pPr>
             <a:r>
-              <a:rPr kumimoji="1" lang="ko-KR" altLang="en-US" dirty="0" smtClean="0">
+              <a:rPr kumimoji="1" lang="ko-KR" altLang="en-US" dirty="0">
                 <a:solidFill>
                   <a:schemeClr val="tx1"/>
                 </a:solidFill>
@@ -10061,7 +10109,7 @@
               <a:buClrTx/>
             </a:pPr>
             <a:r>
-              <a:rPr kumimoji="1" lang="en-US" altLang="ko-KR" dirty="0" smtClean="0">
+              <a:rPr kumimoji="1" lang="en-US" altLang="ko-KR" dirty="0">
                 <a:solidFill>
                   <a:schemeClr val="tx1"/>
                 </a:solidFill>
@@ -10069,7 +10117,7 @@
               <a:t>(</a:t>
             </a:r>
             <a:r>
-              <a:rPr kumimoji="1" lang="ko-KR" altLang="en-US" dirty="0" err="1" smtClean="0">
+              <a:rPr kumimoji="1" lang="ko-KR" altLang="en-US" dirty="0" err="1">
                 <a:solidFill>
                   <a:schemeClr val="tx1"/>
                 </a:solidFill>
@@ -10077,7 +10125,7 @@
               <a:t>기업업무</a:t>
             </a:r>
             <a:r>
-              <a:rPr kumimoji="1" lang="en-US" altLang="ko-KR" dirty="0" smtClean="0">
+              <a:rPr kumimoji="1" lang="en-US" altLang="ko-KR" dirty="0">
                 <a:solidFill>
                   <a:schemeClr val="tx1"/>
                 </a:solidFill>
@@ -10097,13 +10145,6 @@
   <p:clrMapOvr>
     <a:masterClrMapping/>
   </p:clrMapOvr>
-  <p:timing>
-    <p:tnLst>
-      <p:par>
-        <p:cTn id="1" dur="indefinite" restart="never" nodeType="tmRoot"/>
-      </p:par>
-    </p:tnLst>
-  </p:timing>
 </p:sld>
 </file>
 
@@ -10667,18 +10708,13 @@
           <a:lstStyle/>
           <a:p>
             <a:r>
-              <a:rPr lang="ko-KR" altLang="en-US" dirty="0" smtClean="0">
+              <a:rPr lang="ko-KR" altLang="en-US" dirty="0">
                 <a:solidFill>
                   <a:srgbClr val="FF0000"/>
                 </a:solidFill>
               </a:rPr>
               <a:t>지난번 다 했던 내용</a:t>
             </a:r>
-            <a:endParaRPr lang="ko-KR" altLang="en-US" dirty="0">
-              <a:solidFill>
-                <a:srgbClr val="FF0000"/>
-              </a:solidFill>
-            </a:endParaRPr>
           </a:p>
         </p:txBody>
       </p:sp>
@@ -10695,13 +10731,6 @@
   <p:transition>
     <p:fade/>
   </p:transition>
-  <p:timing>
-    <p:tnLst>
-      <p:par>
-        <p:cTn id="1" dur="indefinite" restart="never" nodeType="tmRoot"/>
-      </p:par>
-    </p:tnLst>
-  </p:timing>
 </p:sld>
 </file>
 
@@ -21388,18 +21417,13 @@
           <a:lstStyle/>
           <a:p>
             <a:r>
-              <a:rPr lang="ko-KR" altLang="en-US" dirty="0" smtClean="0">
+              <a:rPr lang="ko-KR" altLang="en-US" dirty="0">
                 <a:solidFill>
                   <a:srgbClr val="FF0000"/>
                 </a:solidFill>
               </a:rPr>
               <a:t>지난번 다 했던 내용</a:t>
             </a:r>
-            <a:endParaRPr lang="ko-KR" altLang="en-US" dirty="0">
-              <a:solidFill>
-                <a:srgbClr val="FF0000"/>
-              </a:solidFill>
-            </a:endParaRPr>
           </a:p>
         </p:txBody>
       </p:sp>
@@ -21416,13 +21440,6 @@
   <p:transition>
     <p:fade/>
   </p:transition>
-  <p:timing>
-    <p:tnLst>
-      <p:par>
-        <p:cTn id="1" dur="indefinite" restart="never" nodeType="tmRoot"/>
-      </p:par>
-    </p:tnLst>
-  </p:timing>
 </p:sld>
 </file>
 
@@ -22823,18 +22840,13 @@
           <a:lstStyle/>
           <a:p>
             <a:r>
-              <a:rPr lang="ko-KR" altLang="en-US" dirty="0" smtClean="0">
+              <a:rPr lang="ko-KR" altLang="en-US" dirty="0">
                 <a:solidFill>
                   <a:srgbClr val="FF0000"/>
                 </a:solidFill>
               </a:rPr>
               <a:t>지난번 다 했던 내용</a:t>
             </a:r>
-            <a:endParaRPr lang="ko-KR" altLang="en-US" dirty="0">
-              <a:solidFill>
-                <a:srgbClr val="FF0000"/>
-              </a:solidFill>
-            </a:endParaRPr>
           </a:p>
         </p:txBody>
       </p:sp>
@@ -22851,13 +22863,6 @@
   <p:transition>
     <p:fade/>
   </p:transition>
-  <p:timing>
-    <p:tnLst>
-      <p:par>
-        <p:cTn id="1" dur="indefinite" restart="never" nodeType="tmRoot"/>
-      </p:par>
-    </p:tnLst>
-  </p:timing>
 </p:sld>
 </file>
 
@@ -23618,13 +23623,6 @@
   <p:clrMapOvr>
     <a:masterClrMapping/>
   </p:clrMapOvr>
-  <p:timing>
-    <p:tnLst>
-      <p:par>
-        <p:cTn id="1" dur="indefinite" restart="never" nodeType="tmRoot"/>
-      </p:par>
-    </p:tnLst>
-  </p:timing>
 </p:sld>
 </file>
 
@@ -24235,13 +24233,6 @@
   <p:clrMapOvr>
     <a:masterClrMapping/>
   </p:clrMapOvr>
-  <p:timing>
-    <p:tnLst>
-      <p:par>
-        <p:cTn id="1" dur="indefinite" restart="never" nodeType="tmRoot"/>
-      </p:par>
-    </p:tnLst>
-  </p:timing>
 </p:sld>
 </file>
 
@@ -25056,13 +25047,6 @@
   <p:clrMapOvr>
     <a:masterClrMapping/>
   </p:clrMapOvr>
-  <p:timing>
-    <p:tnLst>
-      <p:par>
-        <p:cTn id="1" dur="indefinite" restart="never" nodeType="tmRoot"/>
-      </p:par>
-    </p:tnLst>
-  </p:timing>
 </p:sld>
 </file>
 
@@ -25611,13 +25595,6 @@
   <p:clrMapOvr>
     <a:masterClrMapping/>
   </p:clrMapOvr>
-  <p:timing>
-    <p:tnLst>
-      <p:par>
-        <p:cTn id="1" dur="indefinite" restart="never" nodeType="tmRoot"/>
-      </p:par>
-    </p:tnLst>
-  </p:timing>
 </p:sld>
 </file>
 
@@ -26129,13 +26106,6 @@
   <p:clrMapOvr>
     <a:masterClrMapping/>
   </p:clrMapOvr>
-  <p:timing>
-    <p:tnLst>
-      <p:par>
-        <p:cTn id="1" dur="indefinite" restart="never" nodeType="tmRoot"/>
-      </p:par>
-    </p:tnLst>
-  </p:timing>
 </p:sld>
 </file>
 
@@ -26525,8 +26495,8 @@
         </p:blipFill>
         <p:spPr>
           <a:xfrm>
-            <a:off x="604387" y="1067673"/>
-            <a:ext cx="4982863" cy="4123034"/>
+            <a:off x="587759" y="5969246"/>
+            <a:ext cx="3414683" cy="2825455"/>
           </a:xfrm>
           <a:prstGeom prst="rect">
             <a:avLst/>
@@ -26554,8 +26524,8 @@
         </p:blipFill>
         <p:spPr>
           <a:xfrm>
-            <a:off x="10615705" y="477594"/>
-            <a:ext cx="5745611" cy="4255788"/>
+            <a:off x="12776762" y="4857750"/>
+            <a:ext cx="1269541" cy="940352"/>
           </a:xfrm>
           <a:prstGeom prst="rect">
             <a:avLst/>
@@ -26583,8 +26553,8 @@
         </p:blipFill>
         <p:spPr>
           <a:xfrm>
-            <a:off x="1281326" y="910110"/>
-            <a:ext cx="12845769" cy="5821123"/>
+            <a:off x="1339136" y="7353804"/>
+            <a:ext cx="2663306" cy="1206890"/>
           </a:xfrm>
           <a:prstGeom prst="rect">
             <a:avLst/>
@@ -26612,8 +26582,8 @@
         </p:blipFill>
         <p:spPr>
           <a:xfrm>
-            <a:off x="508462" y="538534"/>
-            <a:ext cx="9944762" cy="5023749"/>
+            <a:off x="4466776" y="7076395"/>
+            <a:ext cx="1743694" cy="880854"/>
           </a:xfrm>
           <a:prstGeom prst="rect">
             <a:avLst/>
@@ -26641,8 +26611,8 @@
         </p:blipFill>
         <p:spPr>
           <a:xfrm>
-            <a:off x="13092187" y="333335"/>
-            <a:ext cx="13864777" cy="6003154"/>
+            <a:off x="424076" y="462090"/>
+            <a:ext cx="10972092" cy="4750683"/>
           </a:xfrm>
           <a:prstGeom prst="rect">
             <a:avLst/>
@@ -26664,13 +26634,6 @@
   <p:clrMapOvr>
     <a:masterClrMapping/>
   </p:clrMapOvr>
-  <p:timing>
-    <p:tnLst>
-      <p:par>
-        <p:cTn id="1" dur="indefinite" restart="never" nodeType="tmRoot"/>
-      </p:par>
-    </p:tnLst>
-  </p:timing>
 </p:sld>
 </file>
 
@@ -27017,13 +26980,6 @@
   <p:clrMapOvr>
     <a:masterClrMapping/>
   </p:clrMapOvr>
-  <p:timing>
-    <p:tnLst>
-      <p:par>
-        <p:cTn id="1" dur="indefinite" restart="never" nodeType="tmRoot"/>
-      </p:par>
-    </p:tnLst>
-  </p:timing>
 </p:sld>
 </file>
 
@@ -27099,7 +27055,7 @@
           <p:cNvPr id="331782" name="Rectangle 3">
             <a:extLst>
               <a:ext uri="{C183D7F6-B498-43B3-948B-1728B52AA6E4}">
-                <adec:decorative xmlns="" xmlns:adec="http://schemas.microsoft.com/office/drawing/2017/decorative" val="1"/>
+                <adec:decorative xmlns:adec="http://schemas.microsoft.com/office/drawing/2017/decorative" val="1"/>
               </a:ext>
             </a:extLst>
           </p:cNvPr>
@@ -27365,13 +27321,6 @@
   <p:clrMapOvr>
     <a:masterClrMapping/>
   </p:clrMapOvr>
-  <p:timing>
-    <p:tnLst>
-      <p:par>
-        <p:cTn id="1" dur="indefinite" restart="never" nodeType="tmRoot"/>
-      </p:par>
-    </p:tnLst>
-  </p:timing>
 </p:sld>
 </file>
 
@@ -27741,13 +27690,6 @@
   <p:clrMapOvr>
     <a:masterClrMapping/>
   </p:clrMapOvr>
-  <p:timing>
-    <p:tnLst>
-      <p:par>
-        <p:cTn id="1" dur="indefinite" restart="never" nodeType="tmRoot"/>
-      </p:par>
-    </p:tnLst>
-  </p:timing>
 </p:sld>
 </file>
 
@@ -28285,13 +28227,6 @@
   <p:clrMapOvr>
     <a:masterClrMapping/>
   </p:clrMapOvr>
-  <p:timing>
-    <p:tnLst>
-      <p:par>
-        <p:cTn id="1" dur="indefinite" restart="never" nodeType="tmRoot"/>
-      </p:par>
-    </p:tnLst>
-  </p:timing>
 </p:sld>
 </file>
 
@@ -28718,13 +28653,6 @@
   <p:clrMapOvr>
     <a:masterClrMapping/>
   </p:clrMapOvr>
-  <p:timing>
-    <p:tnLst>
-      <p:par>
-        <p:cTn id="1" dur="indefinite" restart="never" nodeType="tmRoot"/>
-      </p:par>
-    </p:tnLst>
-  </p:timing>
 </p:sld>
 </file>
 
@@ -31198,13 +31126,6 @@
   <p:clrMapOvr>
     <a:masterClrMapping/>
   </p:clrMapOvr>
-  <p:timing>
-    <p:tnLst>
-      <p:par>
-        <p:cTn id="1" dur="indefinite" restart="never" nodeType="tmRoot"/>
-      </p:par>
-    </p:tnLst>
-  </p:timing>
 </p:sld>
 </file>
 
@@ -32511,7 +32432,7 @@
           <a:lstStyle/>
           <a:p>
             <a:r>
-              <a:rPr lang="ko-KR" altLang="en-US" sz="3200" dirty="0" smtClean="0">
+              <a:rPr lang="ko-KR" altLang="en-US" sz="3200" dirty="0">
                 <a:solidFill>
                   <a:srgbClr val="FF0000"/>
                 </a:solidFill>
@@ -32519,7 +32440,7 @@
               <a:t>지난번 </a:t>
             </a:r>
             <a:r>
-              <a:rPr lang="ko-KR" altLang="en-US" sz="3200" dirty="0" err="1" smtClean="0">
+              <a:rPr lang="ko-KR" altLang="en-US" sz="3200" dirty="0" err="1">
                 <a:solidFill>
                   <a:srgbClr val="FF0000"/>
                 </a:solidFill>
@@ -32547,13 +32468,6 @@
   <p:transition>
     <p:fade/>
   </p:transition>
-  <p:timing>
-    <p:tnLst>
-      <p:par>
-        <p:cTn id="1" dur="indefinite" restart="never" nodeType="tmRoot"/>
-      </p:par>
-    </p:tnLst>
-  </p:timing>
 </p:sld>
 </file>
 
@@ -33425,7 +33339,7 @@
               <a:t> /</a:t>
             </a:r>
             <a:r>
-              <a:rPr lang="en-US" altLang="ko-KR" sz="2000" dirty="0" err="1" smtClean="0">
+              <a:rPr lang="en-US" altLang="ko-KR" sz="2000" dirty="0" err="1">
                 <a:solidFill>
                   <a:srgbClr val="FF0000"/>
                 </a:solidFill>
@@ -33433,20 +33347,12 @@
               <a:t>usr</a:t>
             </a:r>
             <a:r>
-              <a:rPr lang="en-US" altLang="ko-KR" sz="2000" dirty="0" smtClean="0">
+              <a:rPr lang="en-US" altLang="ko-KR" sz="2000" dirty="0">
                 <a:solidFill>
                   <a:srgbClr val="FF0000"/>
                 </a:solidFill>
               </a:rPr>
-              <a:t>/share/tomcat7(?)/</a:t>
-            </a:r>
-            <a:r>
-              <a:rPr lang="en-US" altLang="ko-KR" sz="2000" dirty="0">
-                <a:solidFill>
-                  <a:srgbClr val="FF0000"/>
-                </a:solidFill>
-              </a:rPr>
-              <a:t>lib</a:t>
+              <a:t>/share/tomcat7(?)/lib</a:t>
             </a:r>
             <a:r>
               <a:rPr lang="ko-KR" altLang="en-US" sz="2000" dirty="0">
@@ -33500,14 +33406,14 @@
           <a:lstStyle/>
           <a:p>
             <a:r>
-              <a:rPr lang="ko-KR" altLang="en-US" dirty="0" smtClean="0">
+              <a:rPr lang="ko-KR" altLang="en-US" dirty="0">
                 <a:solidFill>
                   <a:srgbClr val="FF0000"/>
                 </a:solidFill>
               </a:rPr>
               <a:t>지난번 다 한내용이지만</a:t>
             </a:r>
-            <a:endParaRPr lang="en-US" altLang="ko-KR" dirty="0" smtClean="0">
+            <a:endParaRPr lang="en-US" altLang="ko-KR" dirty="0">
               <a:solidFill>
                 <a:srgbClr val="FF0000"/>
               </a:solidFill>
@@ -33515,7 +33421,7 @@
           </a:p>
           <a:p>
             <a:r>
-              <a:rPr lang="ko-KR" altLang="en-US" dirty="0" smtClean="0">
+              <a:rPr lang="ko-KR" altLang="en-US" dirty="0">
                 <a:solidFill>
                   <a:srgbClr val="FF0000"/>
                 </a:solidFill>
@@ -33523,7 +33429,7 @@
               <a:t>아래 </a:t>
             </a:r>
             <a:r>
-              <a:rPr lang="en-US" altLang="ko-KR" dirty="0" smtClean="0">
+              <a:rPr lang="en-US" altLang="ko-KR" dirty="0">
                 <a:solidFill>
                   <a:srgbClr val="FF0000"/>
                 </a:solidFill>
@@ -33531,18 +33437,13 @@
               <a:t>jar</a:t>
             </a:r>
             <a:r>
-              <a:rPr lang="ko-KR" altLang="en-US" dirty="0" smtClean="0">
+              <a:rPr lang="ko-KR" altLang="en-US" dirty="0">
                 <a:solidFill>
                   <a:srgbClr val="FF0000"/>
                 </a:solidFill>
               </a:rPr>
               <a:t>를 넣는 부분을 해야한다</a:t>
             </a:r>
-            <a:endParaRPr lang="ko-KR" altLang="en-US" dirty="0">
-              <a:solidFill>
-                <a:srgbClr val="FF0000"/>
-              </a:solidFill>
-            </a:endParaRPr>
           </a:p>
         </p:txBody>
       </p:sp>
@@ -33559,13 +33460,6 @@
   <p:transition>
     <p:fade/>
   </p:transition>
-  <p:timing>
-    <p:tnLst>
-      <p:par>
-        <p:cTn id="1" dur="indefinite" restart="never" nodeType="tmRoot"/>
-      </p:par>
-    </p:tnLst>
-  </p:timing>
 </p:sld>
 </file>
 
@@ -33991,18 +33885,13 @@
           <a:lstStyle/>
           <a:p>
             <a:r>
-              <a:rPr lang="ko-KR" altLang="en-US" dirty="0" smtClean="0">
+              <a:rPr lang="ko-KR" altLang="en-US" dirty="0">
                 <a:solidFill>
                   <a:srgbClr val="FF0000"/>
                 </a:solidFill>
               </a:rPr>
               <a:t>지난번 다 했던 내용</a:t>
             </a:r>
-            <a:endParaRPr lang="ko-KR" altLang="en-US" dirty="0">
-              <a:solidFill>
-                <a:srgbClr val="FF0000"/>
-              </a:solidFill>
-            </a:endParaRPr>
           </a:p>
         </p:txBody>
       </p:sp>
@@ -34019,13 +33908,6 @@
   <p:transition>
     <p:fade/>
   </p:transition>
-  <p:timing>
-    <p:tnLst>
-      <p:par>
-        <p:cTn id="1" dur="indefinite" restart="never" nodeType="tmRoot"/>
-      </p:par>
-    </p:tnLst>
-  </p:timing>
 </p:sld>
 </file>
 
@@ -34495,18 +34377,13 @@
           <a:lstStyle/>
           <a:p>
             <a:r>
-              <a:rPr lang="ko-KR" altLang="en-US" dirty="0" smtClean="0">
+              <a:rPr lang="ko-KR" altLang="en-US" dirty="0">
                 <a:solidFill>
                   <a:srgbClr val="FF0000"/>
                 </a:solidFill>
               </a:rPr>
               <a:t>지난번 다 했던 내용</a:t>
             </a:r>
-            <a:endParaRPr lang="ko-KR" altLang="en-US" dirty="0">
-              <a:solidFill>
-                <a:srgbClr val="FF0000"/>
-              </a:solidFill>
-            </a:endParaRPr>
           </a:p>
         </p:txBody>
       </p:sp>
@@ -34523,13 +34400,6 @@
   <p:transition>
     <p:fade/>
   </p:transition>
-  <p:timing>
-    <p:tnLst>
-      <p:par>
-        <p:cTn id="1" dur="indefinite" restart="never" nodeType="tmRoot"/>
-      </p:par>
-    </p:tnLst>
-  </p:timing>
 </p:sld>
 </file>
 
